--- a/2023-FALL/Week03.pptx
+++ b/2023-FALL/Week03.pptx
@@ -266,7 +266,7 @@
           <a:p>
             <a:fld id="{2B1919C7-6BC3-4736-AC32-A62C7B81C82C}" type="datetimeFigureOut">
               <a:rPr lang="en-US" smtClean="0"/>
-              <a:t>9/6/2023</a:t>
+              <a:t>9/7/2023</a:t>
             </a:fld>
             <a:endParaRPr lang="en-US"/>
           </a:p>
@@ -464,7 +464,7 @@
           <a:p>
             <a:fld id="{2B1919C7-6BC3-4736-AC32-A62C7B81C82C}" type="datetimeFigureOut">
               <a:rPr lang="en-US" smtClean="0"/>
-              <a:t>9/6/2023</a:t>
+              <a:t>9/7/2023</a:t>
             </a:fld>
             <a:endParaRPr lang="en-US"/>
           </a:p>
@@ -672,7 +672,7 @@
           <a:p>
             <a:fld id="{2B1919C7-6BC3-4736-AC32-A62C7B81C82C}" type="datetimeFigureOut">
               <a:rPr lang="en-US" smtClean="0"/>
-              <a:t>9/6/2023</a:t>
+              <a:t>9/7/2023</a:t>
             </a:fld>
             <a:endParaRPr lang="en-US"/>
           </a:p>
@@ -870,7 +870,7 @@
           <a:p>
             <a:fld id="{2B1919C7-6BC3-4736-AC32-A62C7B81C82C}" type="datetimeFigureOut">
               <a:rPr lang="en-US" smtClean="0"/>
-              <a:t>9/6/2023</a:t>
+              <a:t>9/7/2023</a:t>
             </a:fld>
             <a:endParaRPr lang="en-US"/>
           </a:p>
@@ -1145,7 +1145,7 @@
           <a:p>
             <a:fld id="{2B1919C7-6BC3-4736-AC32-A62C7B81C82C}" type="datetimeFigureOut">
               <a:rPr lang="en-US" smtClean="0"/>
-              <a:t>9/6/2023</a:t>
+              <a:t>9/7/2023</a:t>
             </a:fld>
             <a:endParaRPr lang="en-US"/>
           </a:p>
@@ -1410,7 +1410,7 @@
           <a:p>
             <a:fld id="{2B1919C7-6BC3-4736-AC32-A62C7B81C82C}" type="datetimeFigureOut">
               <a:rPr lang="en-US" smtClean="0"/>
-              <a:t>9/6/2023</a:t>
+              <a:t>9/7/2023</a:t>
             </a:fld>
             <a:endParaRPr lang="en-US"/>
           </a:p>
@@ -1822,7 +1822,7 @@
           <a:p>
             <a:fld id="{2B1919C7-6BC3-4736-AC32-A62C7B81C82C}" type="datetimeFigureOut">
               <a:rPr lang="en-US" smtClean="0"/>
-              <a:t>9/6/2023</a:t>
+              <a:t>9/7/2023</a:t>
             </a:fld>
             <a:endParaRPr lang="en-US"/>
           </a:p>
@@ -1963,7 +1963,7 @@
           <a:p>
             <a:fld id="{2B1919C7-6BC3-4736-AC32-A62C7B81C82C}" type="datetimeFigureOut">
               <a:rPr lang="en-US" smtClean="0"/>
-              <a:t>9/6/2023</a:t>
+              <a:t>9/7/2023</a:t>
             </a:fld>
             <a:endParaRPr lang="en-US"/>
           </a:p>
@@ -2076,7 +2076,7 @@
           <a:p>
             <a:fld id="{2B1919C7-6BC3-4736-AC32-A62C7B81C82C}" type="datetimeFigureOut">
               <a:rPr lang="en-US" smtClean="0"/>
-              <a:t>9/6/2023</a:t>
+              <a:t>9/7/2023</a:t>
             </a:fld>
             <a:endParaRPr lang="en-US"/>
           </a:p>
@@ -2387,7 +2387,7 @@
           <a:p>
             <a:fld id="{2B1919C7-6BC3-4736-AC32-A62C7B81C82C}" type="datetimeFigureOut">
               <a:rPr lang="en-US" smtClean="0"/>
-              <a:t>9/6/2023</a:t>
+              <a:t>9/7/2023</a:t>
             </a:fld>
             <a:endParaRPr lang="en-US"/>
           </a:p>
@@ -2675,7 +2675,7 @@
           <a:p>
             <a:fld id="{2B1919C7-6BC3-4736-AC32-A62C7B81C82C}" type="datetimeFigureOut">
               <a:rPr lang="en-US" smtClean="0"/>
-              <a:t>9/6/2023</a:t>
+              <a:t>9/7/2023</a:t>
             </a:fld>
             <a:endParaRPr lang="en-US"/>
           </a:p>
@@ -2916,7 +2916,7 @@
           <a:p>
             <a:fld id="{2B1919C7-6BC3-4736-AC32-A62C7B81C82C}" type="datetimeFigureOut">
               <a:rPr lang="en-US" smtClean="0"/>
-              <a:t>9/6/2023</a:t>
+              <a:t>9/7/2023</a:t>
             </a:fld>
             <a:endParaRPr lang="en-US"/>
           </a:p>
@@ -3784,8 +3784,12 @@
               <a:t>Set parameters in </a:t>
             </a:r>
             <a:r>
+              <a:rPr lang="en-US"/>
+              <a:t>Program.</a:t>
+            </a:r>
+            <a:r>
               <a:rPr lang="en-US" dirty="0" err="1"/>
-              <a:t>Startup.cs</a:t>
+              <a:t>cs</a:t>
             </a:r>
             <a:endParaRPr lang="en-US" dirty="0"/>
           </a:p>
